--- a/Week-08/Demo4.pptx
+++ b/Week-08/Demo4.pptx
@@ -201,7 +201,7 @@
           <a:p>
             <a:fld id="{8BE64501-107B-4BBD-9695-5A7A26683B91}" type="datetimeFigureOut">
               <a:rPr lang="hu-HU" smtClean="0"/>
-              <a:t>2019. 03. 13.</a:t>
+              <a:t>2019. 03. 14.</a:t>
             </a:fld>
             <a:endParaRPr lang="hu-HU"/>
           </a:p>
@@ -1161,7 +1161,7 @@
           <a:p>
             <a:fld id="{5C668260-7523-45E2-AC4C-E5F271811912}" type="datetimeFigureOut">
               <a:rPr lang="hu-HU" smtClean="0"/>
-              <a:t>2019. 03. 13.</a:t>
+              <a:t>2019. 03. 14.</a:t>
             </a:fld>
             <a:endParaRPr lang="hu-HU"/>
           </a:p>
@@ -1496,7 +1496,7 @@
           <a:p>
             <a:fld id="{5C668260-7523-45E2-AC4C-E5F271811912}" type="datetimeFigureOut">
               <a:rPr lang="hu-HU" smtClean="0"/>
-              <a:t>2019. 03. 13.</a:t>
+              <a:t>2019. 03. 14.</a:t>
             </a:fld>
             <a:endParaRPr lang="hu-HU"/>
           </a:p>
@@ -1799,7 +1799,7 @@
           <a:p>
             <a:fld id="{5C668260-7523-45E2-AC4C-E5F271811912}" type="datetimeFigureOut">
               <a:rPr lang="hu-HU" smtClean="0"/>
-              <a:t>2019. 03. 13.</a:t>
+              <a:t>2019. 03. 14.</a:t>
             </a:fld>
             <a:endParaRPr lang="hu-HU"/>
           </a:p>
@@ -2047,7 +2047,7 @@
           <a:p>
             <a:fld id="{5C668260-7523-45E2-AC4C-E5F271811912}" type="datetimeFigureOut">
               <a:rPr lang="hu-HU" smtClean="0"/>
-              <a:t>2019. 03. 13.</a:t>
+              <a:t>2019. 03. 14.</a:t>
             </a:fld>
             <a:endParaRPr lang="hu-HU"/>
           </a:p>
@@ -2455,7 +2455,7 @@
           <a:p>
             <a:fld id="{5C668260-7523-45E2-AC4C-E5F271811912}" type="datetimeFigureOut">
               <a:rPr lang="hu-HU" smtClean="0"/>
-              <a:t>2019. 03. 13.</a:t>
+              <a:t>2019. 03. 14.</a:t>
             </a:fld>
             <a:endParaRPr lang="hu-HU"/>
           </a:p>
@@ -2770,7 +2770,7 @@
           <a:p>
             <a:fld id="{5C668260-7523-45E2-AC4C-E5F271811912}" type="datetimeFigureOut">
               <a:rPr lang="hu-HU" smtClean="0"/>
-              <a:t>2019. 03. 13.</a:t>
+              <a:t>2019. 03. 14.</a:t>
             </a:fld>
             <a:endParaRPr lang="hu-HU"/>
           </a:p>
@@ -3320,7 +3320,7 @@
           <a:p>
             <a:fld id="{5C668260-7523-45E2-AC4C-E5F271811912}" type="datetimeFigureOut">
               <a:rPr lang="hu-HU" smtClean="0"/>
-              <a:t>2019. 03. 13.</a:t>
+              <a:t>2019. 03. 14.</a:t>
             </a:fld>
             <a:endParaRPr lang="hu-HU"/>
           </a:p>
@@ -3521,7 +3521,7 @@
           <a:p>
             <a:fld id="{5C668260-7523-45E2-AC4C-E5F271811912}" type="datetimeFigureOut">
               <a:rPr lang="hu-HU" smtClean="0"/>
-              <a:t>2019. 03. 13.</a:t>
+              <a:t>2019. 03. 14.</a:t>
             </a:fld>
             <a:endParaRPr lang="hu-HU"/>
           </a:p>
@@ -3735,7 +3735,7 @@
           <a:p>
             <a:fld id="{5C668260-7523-45E2-AC4C-E5F271811912}" type="datetimeFigureOut">
               <a:rPr lang="hu-HU" smtClean="0"/>
-              <a:t>2019. 03. 13.</a:t>
+              <a:t>2019. 03. 14.</a:t>
             </a:fld>
             <a:endParaRPr lang="hu-HU"/>
           </a:p>
@@ -4105,7 +4105,7 @@
           <a:p>
             <a:fld id="{5C668260-7523-45E2-AC4C-E5F271811912}" type="datetimeFigureOut">
               <a:rPr lang="hu-HU" smtClean="0"/>
-              <a:t>2019. 03. 13.</a:t>
+              <a:t>2019. 03. 14.</a:t>
             </a:fld>
             <a:endParaRPr lang="hu-HU"/>
           </a:p>
@@ -4514,7 +4514,7 @@
           <a:p>
             <a:fld id="{5C668260-7523-45E2-AC4C-E5F271811912}" type="datetimeFigureOut">
               <a:rPr lang="hu-HU" smtClean="0"/>
-              <a:t>2019. 03. 13.</a:t>
+              <a:t>2019. 03. 14.</a:t>
             </a:fld>
             <a:endParaRPr lang="hu-HU"/>
           </a:p>
@@ -4853,7 +4853,7 @@
           <a:p>
             <a:fld id="{5C668260-7523-45E2-AC4C-E5F271811912}" type="datetimeFigureOut">
               <a:rPr lang="hu-HU" smtClean="0"/>
-              <a:t>2019. 03. 13.</a:t>
+              <a:t>2019. 03. 14.</a:t>
             </a:fld>
             <a:endParaRPr lang="hu-HU"/>
           </a:p>
@@ -5673,7 +5673,6 @@
               <a:rPr lang="hu-HU" sz="6000" dirty="0" smtClean="0"/>
               <a:t>CSS</a:t>
             </a:r>
-            <a:endParaRPr lang="hu-HU" sz="6000" dirty="0" smtClean="0"/>
           </a:p>
           <a:p>
             <a:pPr marL="571500" indent="-571500">
@@ -5769,8 +5768,8 @@
         </p:blipFill>
         <p:spPr>
           <a:xfrm>
-            <a:off x="1646668" y="3949347"/>
-            <a:ext cx="4622681" cy="2908653"/>
+            <a:off x="2302276" y="3794281"/>
+            <a:ext cx="4373438" cy="2751826"/>
           </a:xfrm>
           <a:prstGeom prst="rect">
             <a:avLst/>
@@ -5779,7 +5778,7 @@
       </p:pic>
       <p:pic>
         <p:nvPicPr>
-          <p:cNvPr id="7" name="Kép 6"/>
+          <p:cNvPr id="8" name="Kép 7"/>
           <p:cNvPicPr>
             <a:picLocks noChangeAspect="1"/>
           </p:cNvPicPr>
@@ -5793,8 +5792,8 @@
         </p:blipFill>
         <p:spPr>
           <a:xfrm>
-            <a:off x="7177177" y="1257943"/>
-            <a:ext cx="3552106" cy="5382807"/>
+            <a:off x="6869681" y="1133779"/>
+            <a:ext cx="3930591" cy="2660502"/>
           </a:xfrm>
           <a:prstGeom prst="rect">
             <a:avLst/>
@@ -5927,8 +5926,8 @@
         </p:blipFill>
         <p:spPr>
           <a:xfrm>
-            <a:off x="1181818" y="2092983"/>
-            <a:ext cx="4137625" cy="1909673"/>
+            <a:off x="1480957" y="2709837"/>
+            <a:ext cx="5371204" cy="2479017"/>
           </a:xfrm>
           <a:prstGeom prst="rect">
             <a:avLst/>
@@ -5937,7 +5936,7 @@
       </p:pic>
       <p:pic>
         <p:nvPicPr>
-          <p:cNvPr id="4" name="Kép 3"/>
+          <p:cNvPr id="5" name="Kép 4"/>
           <p:cNvPicPr>
             <a:picLocks noChangeAspect="1"/>
           </p:cNvPicPr>
@@ -5951,8 +5950,8 @@
         </p:blipFill>
         <p:spPr>
           <a:xfrm>
-            <a:off x="5523960" y="2826319"/>
-            <a:ext cx="5569609" cy="3769905"/>
+            <a:off x="7177177" y="1257943"/>
+            <a:ext cx="3552106" cy="5382807"/>
           </a:xfrm>
           <a:prstGeom prst="rect">
             <a:avLst/>
@@ -6135,7 +6134,6 @@
               <a:rPr lang="hu-HU" dirty="0"/>
               <a:t>https://www.linkedin.com/in/sz-kis-l%C3%A1szl%C3%B3-84836a177/</a:t>
             </a:r>
-            <a:endParaRPr lang="hu-HU" dirty="0"/>
           </a:p>
         </p:txBody>
       </p:sp>
